--- a/assets/Project#2.pptx
+++ b/assets/Project#2.pptx
@@ -7274,7 +7274,7 @@
                 <a:cs typeface="Courier New"/>
                 <a:sym typeface="Courier New"/>
               </a:rPr>
-              <a:t> </a:t>
+              <a:t>    </a:t>
             </a:r>
             <a:r>
               <a:rPr lang="en" sz="1050">
@@ -9781,7 +9781,7 @@
                   <a:schemeClr val="dk2"/>
                 </a:solidFill>
               </a:rPr>
-              <a:t>Add a administrator Dashboard from where content analysis can be run and results can be reviewed.</a:t>
+              <a:t>Add an administrator Dashboard from where content analysis can be run and results can be reviewed.</a:t>
             </a:r>
             <a:endParaRPr sz="1500">
               <a:solidFill>
@@ -10017,6 +10017,285 @@
 </file>
 
 <file path=ppt/theme/theme1.xml><?xml version="1.0" encoding="utf-8"?>
+<a:theme xmlns:a="http://schemas.openxmlformats.org/drawingml/2006/main" xmlns:r="http://schemas.openxmlformats.org/officeDocument/2006/relationships" name="Simple Light">
+  <a:themeElements>
+    <a:clrScheme name="Simple Light">
+      <a:dk1>
+        <a:srgbClr val="000000"/>
+      </a:dk1>
+      <a:lt1>
+        <a:srgbClr val="FFFFFF"/>
+      </a:lt1>
+      <a:dk2>
+        <a:srgbClr val="595959"/>
+      </a:dk2>
+      <a:lt2>
+        <a:srgbClr val="EEEEEE"/>
+      </a:lt2>
+      <a:accent1>
+        <a:srgbClr val="4285F4"/>
+      </a:accent1>
+      <a:accent2>
+        <a:srgbClr val="212121"/>
+      </a:accent2>
+      <a:accent3>
+        <a:srgbClr val="78909C"/>
+      </a:accent3>
+      <a:accent4>
+        <a:srgbClr val="FFAB40"/>
+      </a:accent4>
+      <a:accent5>
+        <a:srgbClr val="0097A7"/>
+      </a:accent5>
+      <a:accent6>
+        <a:srgbClr val="EEFF41"/>
+      </a:accent6>
+      <a:hlink>
+        <a:srgbClr val="0097A7"/>
+      </a:hlink>
+      <a:folHlink>
+        <a:srgbClr val="0097A7"/>
+      </a:folHlink>
+    </a:clrScheme>
+    <a:fontScheme name="Office">
+      <a:majorFont>
+        <a:latin typeface="Arial"/>
+        <a:ea typeface=""/>
+        <a:cs typeface=""/>
+        <a:font script="Jpan" typeface="ＭＳ Ｐゴシック"/>
+        <a:font script="Hang" typeface="맑은 고딕"/>
+        <a:font script="Hans" typeface="宋体"/>
+        <a:font script="Hant" typeface="新細明體"/>
+        <a:font script="Arab" typeface="Times New Roman"/>
+        <a:font script="Hebr" typeface="Times New Roman"/>
+        <a:font script="Thai" typeface="Angsana New"/>
+        <a:font script="Ethi" typeface="Nyala"/>
+        <a:font script="Beng" typeface="Vrinda"/>
+        <a:font script="Gujr" typeface="Shruti"/>
+        <a:font script="Khmr" typeface="MoolBoran"/>
+        <a:font script="Knda" typeface="Tunga"/>
+        <a:font script="Guru" typeface="Raavi"/>
+        <a:font script="Cans" typeface="Euphemia"/>
+        <a:font script="Cher" typeface="Plantagenet Cherokee"/>
+        <a:font script="Yiii" typeface="Microsoft Yi Baiti"/>
+        <a:font script="Tibt" typeface="Microsoft Himalaya"/>
+        <a:font script="Thaa" typeface="MV Boli"/>
+        <a:font script="Deva" typeface="Mangal"/>
+        <a:font script="Telu" typeface="Gautami"/>
+        <a:font script="Taml" typeface="Latha"/>
+        <a:font script="Syrc" typeface="Estrangelo Edessa"/>
+        <a:font script="Orya" typeface="Kalinga"/>
+        <a:font script="Mlym" typeface="Kartika"/>
+        <a:font script="Laoo" typeface="DokChampa"/>
+        <a:font script="Sinh" typeface="Iskoola Pota"/>
+        <a:font script="Mong" typeface="Mongolian Baiti"/>
+        <a:font script="Viet" typeface="Times New Roman"/>
+        <a:font script="Uigh" typeface="Microsoft Uighur"/>
+        <a:font script="Geor" typeface="Sylfaen"/>
+      </a:majorFont>
+      <a:minorFont>
+        <a:latin typeface="Arial"/>
+        <a:ea typeface=""/>
+        <a:cs typeface=""/>
+        <a:font script="Jpan" typeface="ＭＳ Ｐゴシック"/>
+        <a:font script="Hang" typeface="맑은 고딕"/>
+        <a:font script="Hans" typeface="宋体"/>
+        <a:font script="Hant" typeface="新細明體"/>
+        <a:font script="Arab" typeface="Arial"/>
+        <a:font script="Hebr" typeface="Arial"/>
+        <a:font script="Thai" typeface="Cordia New"/>
+        <a:font script="Ethi" typeface="Nyala"/>
+        <a:font script="Beng" typeface="Vrinda"/>
+        <a:font script="Gujr" typeface="Shruti"/>
+        <a:font script="Khmr" typeface="DaunPenh"/>
+        <a:font script="Knda" typeface="Tunga"/>
+        <a:font script="Guru" typeface="Raavi"/>
+        <a:font script="Cans" typeface="Euphemia"/>
+        <a:font script="Cher" typeface="Plantagenet Cherokee"/>
+        <a:font script="Yiii" typeface="Microsoft Yi Baiti"/>
+        <a:font script="Tibt" typeface="Microsoft Himalaya"/>
+        <a:font script="Thaa" typeface="MV Boli"/>
+        <a:font script="Deva" typeface="Mangal"/>
+        <a:font script="Telu" typeface="Gautami"/>
+        <a:font script="Taml" typeface="Latha"/>
+        <a:font script="Syrc" typeface="Estrangelo Edessa"/>
+        <a:font script="Orya" typeface="Kalinga"/>
+        <a:font script="Mlym" typeface="Kartika"/>
+        <a:font script="Laoo" typeface="DokChampa"/>
+        <a:font script="Sinh" typeface="Iskoola Pota"/>
+        <a:font script="Mong" typeface="Mongolian Baiti"/>
+        <a:font script="Viet" typeface="Arial"/>
+        <a:font script="Uigh" typeface="Microsoft Uighur"/>
+        <a:font script="Geor" typeface="Sylfaen"/>
+      </a:minorFont>
+    </a:fontScheme>
+    <a:fmtScheme name="Office">
+      <a:fillStyleLst>
+        <a:solidFill>
+          <a:schemeClr val="phClr"/>
+        </a:solidFill>
+        <a:gradFill rotWithShape="1">
+          <a:gsLst>
+            <a:gs pos="0">
+              <a:schemeClr val="phClr">
+                <a:tint val="50000"/>
+                <a:satMod val="300000"/>
+              </a:schemeClr>
+            </a:gs>
+            <a:gs pos="35000">
+              <a:schemeClr val="phClr">
+                <a:tint val="37000"/>
+                <a:satMod val="300000"/>
+              </a:schemeClr>
+            </a:gs>
+            <a:gs pos="100000">
+              <a:schemeClr val="phClr">
+                <a:tint val="15000"/>
+                <a:satMod val="350000"/>
+              </a:schemeClr>
+            </a:gs>
+          </a:gsLst>
+          <a:lin ang="16200000" scaled="1"/>
+        </a:gradFill>
+        <a:gradFill rotWithShape="1">
+          <a:gsLst>
+            <a:gs pos="0">
+              <a:schemeClr val="phClr">
+                <a:tint val="100000"/>
+                <a:shade val="100000"/>
+                <a:satMod val="130000"/>
+              </a:schemeClr>
+            </a:gs>
+            <a:gs pos="100000">
+              <a:schemeClr val="phClr">
+                <a:tint val="50000"/>
+                <a:shade val="100000"/>
+                <a:satMod val="350000"/>
+              </a:schemeClr>
+            </a:gs>
+          </a:gsLst>
+          <a:lin ang="16200000" scaled="0"/>
+        </a:gradFill>
+      </a:fillStyleLst>
+      <a:lnStyleLst>
+        <a:ln w="9525" cap="flat" cmpd="sng" algn="ctr">
+          <a:solidFill>
+            <a:schemeClr val="phClr">
+              <a:shade val="95000"/>
+              <a:satMod val="105000"/>
+            </a:schemeClr>
+          </a:solidFill>
+          <a:prstDash val="solid"/>
+        </a:ln>
+        <a:ln w="25400" cap="flat" cmpd="sng" algn="ctr">
+          <a:solidFill>
+            <a:schemeClr val="phClr"/>
+          </a:solidFill>
+          <a:prstDash val="solid"/>
+        </a:ln>
+        <a:ln w="38100" cap="flat" cmpd="sng" algn="ctr">
+          <a:solidFill>
+            <a:schemeClr val="phClr"/>
+          </a:solidFill>
+          <a:prstDash val="solid"/>
+        </a:ln>
+      </a:lnStyleLst>
+      <a:effectStyleLst>
+        <a:effectStyle>
+          <a:effectLst>
+            <a:outerShdw blurRad="40000" dist="20000" dir="5400000" rotWithShape="0">
+              <a:srgbClr val="000000">
+                <a:alpha val="38000"/>
+              </a:srgbClr>
+            </a:outerShdw>
+          </a:effectLst>
+        </a:effectStyle>
+        <a:effectStyle>
+          <a:effectLst>
+            <a:outerShdw blurRad="40000" dist="23000" dir="5400000" rotWithShape="0">
+              <a:srgbClr val="000000">
+                <a:alpha val="35000"/>
+              </a:srgbClr>
+            </a:outerShdw>
+          </a:effectLst>
+        </a:effectStyle>
+        <a:effectStyle>
+          <a:effectLst>
+            <a:outerShdw blurRad="40000" dist="23000" dir="5400000" rotWithShape="0">
+              <a:srgbClr val="000000">
+                <a:alpha val="35000"/>
+              </a:srgbClr>
+            </a:outerShdw>
+          </a:effectLst>
+          <a:scene3d>
+            <a:camera prst="orthographicFront">
+              <a:rot lat="0" lon="0" rev="0"/>
+            </a:camera>
+            <a:lightRig rig="threePt" dir="t">
+              <a:rot lat="0" lon="0" rev="1200000"/>
+            </a:lightRig>
+          </a:scene3d>
+          <a:sp3d>
+            <a:bevelT w="63500" h="25400"/>
+          </a:sp3d>
+        </a:effectStyle>
+      </a:effectStyleLst>
+      <a:bgFillStyleLst>
+        <a:solidFill>
+          <a:schemeClr val="phClr"/>
+        </a:solidFill>
+        <a:gradFill rotWithShape="1">
+          <a:gsLst>
+            <a:gs pos="0">
+              <a:schemeClr val="phClr">
+                <a:tint val="40000"/>
+                <a:satMod val="350000"/>
+              </a:schemeClr>
+            </a:gs>
+            <a:gs pos="40000">
+              <a:schemeClr val="phClr">
+                <a:tint val="45000"/>
+                <a:shade val="99000"/>
+                <a:satMod val="350000"/>
+              </a:schemeClr>
+            </a:gs>
+            <a:gs pos="100000">
+              <a:schemeClr val="phClr">
+                <a:shade val="20000"/>
+                <a:satMod val="255000"/>
+              </a:schemeClr>
+            </a:gs>
+          </a:gsLst>
+          <a:path path="circle">
+            <a:fillToRect l="50000" t="-80000" r="50000" b="180000"/>
+          </a:path>
+        </a:gradFill>
+        <a:gradFill rotWithShape="1">
+          <a:gsLst>
+            <a:gs pos="0">
+              <a:schemeClr val="phClr">
+                <a:tint val="80000"/>
+                <a:satMod val="300000"/>
+              </a:schemeClr>
+            </a:gs>
+            <a:gs pos="100000">
+              <a:schemeClr val="phClr">
+                <a:shade val="30000"/>
+                <a:satMod val="200000"/>
+              </a:schemeClr>
+            </a:gs>
+          </a:gsLst>
+          <a:path path="circle">
+            <a:fillToRect l="50000" t="50000" r="50000" b="50000"/>
+          </a:path>
+        </a:gradFill>
+      </a:bgFillStyleLst>
+    </a:fmtScheme>
+  </a:themeElements>
+</a:theme>
+</file>
+
+<file path=ppt/theme/theme2.xml><?xml version="1.0" encoding="utf-8"?>
 <a:theme xmlns:a="http://schemas.openxmlformats.org/drawingml/2006/main" xmlns:r="http://schemas.openxmlformats.org/officeDocument/2006/relationships">
   <a:themeElements>
     <a:clrScheme name="Default">
@@ -10293,283 +10572,4 @@
     </a:fmtScheme>
   </a:themeElements>
 </a:theme>
-</file>
-
-<file path=ppt/theme/theme2.xml><?xml version="1.0" encoding="utf-8"?>
-<a:theme xmlns:a="http://schemas.openxmlformats.org/drawingml/2006/main" xmlns:r="http://schemas.openxmlformats.org/officeDocument/2006/relationships" name="Simple Light">
-  <a:themeElements>
-    <a:clrScheme name="Simple Light">
-      <a:dk1>
-        <a:srgbClr val="000000"/>
-      </a:dk1>
-      <a:lt1>
-        <a:srgbClr val="FFFFFF"/>
-      </a:lt1>
-      <a:dk2>
-        <a:srgbClr val="595959"/>
-      </a:dk2>
-      <a:lt2>
-        <a:srgbClr val="EEEEEE"/>
-      </a:lt2>
-      <a:accent1>
-        <a:srgbClr val="4285F4"/>
-      </a:accent1>
-      <a:accent2>
-        <a:srgbClr val="212121"/>
-      </a:accent2>
-      <a:accent3>
-        <a:srgbClr val="78909C"/>
-      </a:accent3>
-      <a:accent4>
-        <a:srgbClr val="FFAB40"/>
-      </a:accent4>
-      <a:accent5>
-        <a:srgbClr val="0097A7"/>
-      </a:accent5>
-      <a:accent6>
-        <a:srgbClr val="EEFF41"/>
-      </a:accent6>
-      <a:hlink>
-        <a:srgbClr val="0097A7"/>
-      </a:hlink>
-      <a:folHlink>
-        <a:srgbClr val="0097A7"/>
-      </a:folHlink>
-    </a:clrScheme>
-    <a:fontScheme name="Office">
-      <a:majorFont>
-        <a:latin typeface="Arial"/>
-        <a:ea typeface=""/>
-        <a:cs typeface=""/>
-        <a:font script="Jpan" typeface="ＭＳ Ｐゴシック"/>
-        <a:font script="Hang" typeface="맑은 고딕"/>
-        <a:font script="Hans" typeface="宋体"/>
-        <a:font script="Hant" typeface="新細明體"/>
-        <a:font script="Arab" typeface="Times New Roman"/>
-        <a:font script="Hebr" typeface="Times New Roman"/>
-        <a:font script="Thai" typeface="Angsana New"/>
-        <a:font script="Ethi" typeface="Nyala"/>
-        <a:font script="Beng" typeface="Vrinda"/>
-        <a:font script="Gujr" typeface="Shruti"/>
-        <a:font script="Khmr" typeface="MoolBoran"/>
-        <a:font script="Knda" typeface="Tunga"/>
-        <a:font script="Guru" typeface="Raavi"/>
-        <a:font script="Cans" typeface="Euphemia"/>
-        <a:font script="Cher" typeface="Plantagenet Cherokee"/>
-        <a:font script="Yiii" typeface="Microsoft Yi Baiti"/>
-        <a:font script="Tibt" typeface="Microsoft Himalaya"/>
-        <a:font script="Thaa" typeface="MV Boli"/>
-        <a:font script="Deva" typeface="Mangal"/>
-        <a:font script="Telu" typeface="Gautami"/>
-        <a:font script="Taml" typeface="Latha"/>
-        <a:font script="Syrc" typeface="Estrangelo Edessa"/>
-        <a:font script="Orya" typeface="Kalinga"/>
-        <a:font script="Mlym" typeface="Kartika"/>
-        <a:font script="Laoo" typeface="DokChampa"/>
-        <a:font script="Sinh" typeface="Iskoola Pota"/>
-        <a:font script="Mong" typeface="Mongolian Baiti"/>
-        <a:font script="Viet" typeface="Times New Roman"/>
-        <a:font script="Uigh" typeface="Microsoft Uighur"/>
-        <a:font script="Geor" typeface="Sylfaen"/>
-      </a:majorFont>
-      <a:minorFont>
-        <a:latin typeface="Arial"/>
-        <a:ea typeface=""/>
-        <a:cs typeface=""/>
-        <a:font script="Jpan" typeface="ＭＳ Ｐゴシック"/>
-        <a:font script="Hang" typeface="맑은 고딕"/>
-        <a:font script="Hans" typeface="宋体"/>
-        <a:font script="Hant" typeface="新細明體"/>
-        <a:font script="Arab" typeface="Arial"/>
-        <a:font script="Hebr" typeface="Arial"/>
-        <a:font script="Thai" typeface="Cordia New"/>
-        <a:font script="Ethi" typeface="Nyala"/>
-        <a:font script="Beng" typeface="Vrinda"/>
-        <a:font script="Gujr" typeface="Shruti"/>
-        <a:font script="Khmr" typeface="DaunPenh"/>
-        <a:font script="Knda" typeface="Tunga"/>
-        <a:font script="Guru" typeface="Raavi"/>
-        <a:font script="Cans" typeface="Euphemia"/>
-        <a:font script="Cher" typeface="Plantagenet Cherokee"/>
-        <a:font script="Yiii" typeface="Microsoft Yi Baiti"/>
-        <a:font script="Tibt" typeface="Microsoft Himalaya"/>
-        <a:font script="Thaa" typeface="MV Boli"/>
-        <a:font script="Deva" typeface="Mangal"/>
-        <a:font script="Telu" typeface="Gautami"/>
-        <a:font script="Taml" typeface="Latha"/>
-        <a:font script="Syrc" typeface="Estrangelo Edessa"/>
-        <a:font script="Orya" typeface="Kalinga"/>
-        <a:font script="Mlym" typeface="Kartika"/>
-        <a:font script="Laoo" typeface="DokChampa"/>
-        <a:font script="Sinh" typeface="Iskoola Pota"/>
-        <a:font script="Mong" typeface="Mongolian Baiti"/>
-        <a:font script="Viet" typeface="Arial"/>
-        <a:font script="Uigh" typeface="Microsoft Uighur"/>
-        <a:font script="Geor" typeface="Sylfaen"/>
-      </a:minorFont>
-    </a:fontScheme>
-    <a:fmtScheme name="Office">
-      <a:fillStyleLst>
-        <a:solidFill>
-          <a:schemeClr val="phClr"/>
-        </a:solidFill>
-        <a:gradFill rotWithShape="1">
-          <a:gsLst>
-            <a:gs pos="0">
-              <a:schemeClr val="phClr">
-                <a:tint val="50000"/>
-                <a:satMod val="300000"/>
-              </a:schemeClr>
-            </a:gs>
-            <a:gs pos="35000">
-              <a:schemeClr val="phClr">
-                <a:tint val="37000"/>
-                <a:satMod val="300000"/>
-              </a:schemeClr>
-            </a:gs>
-            <a:gs pos="100000">
-              <a:schemeClr val="phClr">
-                <a:tint val="15000"/>
-                <a:satMod val="350000"/>
-              </a:schemeClr>
-            </a:gs>
-          </a:gsLst>
-          <a:lin ang="16200000" scaled="1"/>
-        </a:gradFill>
-        <a:gradFill rotWithShape="1">
-          <a:gsLst>
-            <a:gs pos="0">
-              <a:schemeClr val="phClr">
-                <a:tint val="100000"/>
-                <a:shade val="100000"/>
-                <a:satMod val="130000"/>
-              </a:schemeClr>
-            </a:gs>
-            <a:gs pos="100000">
-              <a:schemeClr val="phClr">
-                <a:tint val="50000"/>
-                <a:shade val="100000"/>
-                <a:satMod val="350000"/>
-              </a:schemeClr>
-            </a:gs>
-          </a:gsLst>
-          <a:lin ang="16200000" scaled="0"/>
-        </a:gradFill>
-      </a:fillStyleLst>
-      <a:lnStyleLst>
-        <a:ln w="9525" cap="flat" cmpd="sng" algn="ctr">
-          <a:solidFill>
-            <a:schemeClr val="phClr">
-              <a:shade val="95000"/>
-              <a:satMod val="105000"/>
-            </a:schemeClr>
-          </a:solidFill>
-          <a:prstDash val="solid"/>
-        </a:ln>
-        <a:ln w="25400" cap="flat" cmpd="sng" algn="ctr">
-          <a:solidFill>
-            <a:schemeClr val="phClr"/>
-          </a:solidFill>
-          <a:prstDash val="solid"/>
-        </a:ln>
-        <a:ln w="38100" cap="flat" cmpd="sng" algn="ctr">
-          <a:solidFill>
-            <a:schemeClr val="phClr"/>
-          </a:solidFill>
-          <a:prstDash val="solid"/>
-        </a:ln>
-      </a:lnStyleLst>
-      <a:effectStyleLst>
-        <a:effectStyle>
-          <a:effectLst>
-            <a:outerShdw blurRad="40000" dist="20000" dir="5400000" rotWithShape="0">
-              <a:srgbClr val="000000">
-                <a:alpha val="38000"/>
-              </a:srgbClr>
-            </a:outerShdw>
-          </a:effectLst>
-        </a:effectStyle>
-        <a:effectStyle>
-          <a:effectLst>
-            <a:outerShdw blurRad="40000" dist="23000" dir="5400000" rotWithShape="0">
-              <a:srgbClr val="000000">
-                <a:alpha val="35000"/>
-              </a:srgbClr>
-            </a:outerShdw>
-          </a:effectLst>
-        </a:effectStyle>
-        <a:effectStyle>
-          <a:effectLst>
-            <a:outerShdw blurRad="40000" dist="23000" dir="5400000" rotWithShape="0">
-              <a:srgbClr val="000000">
-                <a:alpha val="35000"/>
-              </a:srgbClr>
-            </a:outerShdw>
-          </a:effectLst>
-          <a:scene3d>
-            <a:camera prst="orthographicFront">
-              <a:rot lat="0" lon="0" rev="0"/>
-            </a:camera>
-            <a:lightRig rig="threePt" dir="t">
-              <a:rot lat="0" lon="0" rev="1200000"/>
-            </a:lightRig>
-          </a:scene3d>
-          <a:sp3d>
-            <a:bevelT w="63500" h="25400"/>
-          </a:sp3d>
-        </a:effectStyle>
-      </a:effectStyleLst>
-      <a:bgFillStyleLst>
-        <a:solidFill>
-          <a:schemeClr val="phClr"/>
-        </a:solidFill>
-        <a:gradFill rotWithShape="1">
-          <a:gsLst>
-            <a:gs pos="0">
-              <a:schemeClr val="phClr">
-                <a:tint val="40000"/>
-                <a:satMod val="350000"/>
-              </a:schemeClr>
-            </a:gs>
-            <a:gs pos="40000">
-              <a:schemeClr val="phClr">
-                <a:tint val="45000"/>
-                <a:shade val="99000"/>
-                <a:satMod val="350000"/>
-              </a:schemeClr>
-            </a:gs>
-            <a:gs pos="100000">
-              <a:schemeClr val="phClr">
-                <a:shade val="20000"/>
-                <a:satMod val="255000"/>
-              </a:schemeClr>
-            </a:gs>
-          </a:gsLst>
-          <a:path path="circle">
-            <a:fillToRect l="50000" t="-80000" r="50000" b="180000"/>
-          </a:path>
-        </a:gradFill>
-        <a:gradFill rotWithShape="1">
-          <a:gsLst>
-            <a:gs pos="0">
-              <a:schemeClr val="phClr">
-                <a:tint val="80000"/>
-                <a:satMod val="300000"/>
-              </a:schemeClr>
-            </a:gs>
-            <a:gs pos="100000">
-              <a:schemeClr val="phClr">
-                <a:shade val="30000"/>
-                <a:satMod val="200000"/>
-              </a:schemeClr>
-            </a:gs>
-          </a:gsLst>
-          <a:path path="circle">
-            <a:fillToRect l="50000" t="50000" r="50000" b="50000"/>
-          </a:path>
-        </a:gradFill>
-      </a:bgFillStyleLst>
-    </a:fmtScheme>
-  </a:themeElements>
-</a:theme>
 </file>
--- a/assets/Project#2.pptx
+++ b/assets/Project#2.pptx
@@ -8261,7 +8261,7 @@
                   <a:schemeClr val="dk2"/>
                 </a:solidFill>
               </a:rPr>
-              <a:t>CSS,</a:t>
+              <a:t>Handlebars, CSS,</a:t>
             </a:r>
             <a:endParaRPr sz="1500">
               <a:solidFill>
@@ -8289,7 +8289,7 @@
                   <a:schemeClr val="dk2"/>
                 </a:solidFill>
               </a:rPr>
-              <a:t>Animation,</a:t>
+              <a:t>Animate,</a:t>
             </a:r>
             <a:endParaRPr sz="1500">
               <a:solidFill>
@@ -8460,14 +8460,14 @@
               <a:buNone/>
             </a:pPr>
             <a:r>
-              <a:rPr lang="en" sz="2000">
+              <a:rPr lang="en" sz="1800">
                 <a:solidFill>
                   <a:schemeClr val="dk2"/>
                 </a:solidFill>
               </a:rPr>
-              <a:t>Timing…unlike project 1, timing was really tight and there was no holiday break. This made it difficult for most group members to devote time to the project.</a:t>
-            </a:r>
-            <a:endParaRPr sz="2000">
+              <a:t>Unlike project 1, timing was tight with no holiday break. This made it difficult for most group members to devote time to the project.</a:t>
+            </a:r>
+            <a:endParaRPr sz="1800">
               <a:solidFill>
                 <a:schemeClr val="dk2"/>
               </a:solidFill>
@@ -8486,7 +8486,7 @@
             <a:r>
               <a:t/>
             </a:r>
-            <a:endParaRPr sz="2000">
+            <a:endParaRPr sz="1800">
               <a:solidFill>
                 <a:schemeClr val="dk2"/>
               </a:solidFill>
@@ -8503,14 +8503,14 @@
               <a:buNone/>
             </a:pPr>
             <a:r>
-              <a:rPr lang="en" sz="2000">
+              <a:rPr lang="en" sz="1800">
                 <a:solidFill>
                   <a:schemeClr val="dk2"/>
                 </a:solidFill>
               </a:rPr>
               <a:t>MySQL was causing some problems for some.</a:t>
             </a:r>
-            <a:endParaRPr sz="2000">
+            <a:endParaRPr sz="1800">
               <a:solidFill>
                 <a:schemeClr val="dk2"/>
               </a:solidFill>
@@ -8529,7 +8529,7 @@
             <a:r>
               <a:t/>
             </a:r>
-            <a:endParaRPr sz="2000">
+            <a:endParaRPr sz="1800">
               <a:solidFill>
                 <a:schemeClr val="dk2"/>
               </a:solidFill>
@@ -8546,14 +8546,57 @@
               <a:buNone/>
             </a:pPr>
             <a:r>
-              <a:rPr lang="en" sz="2000">
+              <a:rPr lang="en" sz="1800">
                 <a:solidFill>
                   <a:schemeClr val="dk2"/>
                 </a:solidFill>
               </a:rPr>
+              <a:t>We started with 5 tables in our db, but it created problems.</a:t>
+            </a:r>
+            <a:endParaRPr sz="1800">
+              <a:solidFill>
+                <a:schemeClr val="dk2"/>
+              </a:solidFill>
+            </a:endParaRPr>
+          </a:p>
+          <a:p>
+            <a:pPr indent="0" lvl="0" marL="0" rtl="0" algn="l">
+              <a:spcBef>
+                <a:spcPts val="0"/>
+              </a:spcBef>
+              <a:spcAft>
+                <a:spcPts val="0"/>
+              </a:spcAft>
+              <a:buNone/>
+            </a:pPr>
+            <a:r>
+              <a:t/>
+            </a:r>
+            <a:endParaRPr sz="1800">
+              <a:solidFill>
+                <a:schemeClr val="dk2"/>
+              </a:solidFill>
+            </a:endParaRPr>
+          </a:p>
+          <a:p>
+            <a:pPr indent="0" lvl="0" marL="0" rtl="0" algn="l">
+              <a:spcBef>
+                <a:spcPts val="0"/>
+              </a:spcBef>
+              <a:spcAft>
+                <a:spcPts val="0"/>
+              </a:spcAft>
+              <a:buNone/>
+            </a:pPr>
+            <a:r>
+              <a:rPr lang="en" sz="1800">
+                <a:solidFill>
+                  <a:schemeClr val="dk2"/>
+                </a:solidFill>
+              </a:rPr>
               <a:t>Establishing some of the routes was challenging.</a:t>
             </a:r>
-            <a:endParaRPr sz="2000">
+            <a:endParaRPr sz="1800">
               <a:solidFill>
                 <a:schemeClr val="dk2"/>
               </a:solidFill>
@@ -8730,6 +8773,49 @@
                 </a:solidFill>
               </a:rPr>
               <a:t>We helped each other with the re-installation of MySQL.</a:t>
+            </a:r>
+            <a:endParaRPr sz="2000">
+              <a:solidFill>
+                <a:schemeClr val="dk2"/>
+              </a:solidFill>
+            </a:endParaRPr>
+          </a:p>
+          <a:p>
+            <a:pPr indent="0" lvl="0" marL="0" rtl="0" algn="l">
+              <a:spcBef>
+                <a:spcPts val="0"/>
+              </a:spcBef>
+              <a:spcAft>
+                <a:spcPts val="0"/>
+              </a:spcAft>
+              <a:buNone/>
+            </a:pPr>
+            <a:r>
+              <a:t/>
+            </a:r>
+            <a:endParaRPr sz="2000">
+              <a:solidFill>
+                <a:schemeClr val="dk2"/>
+              </a:solidFill>
+            </a:endParaRPr>
+          </a:p>
+          <a:p>
+            <a:pPr indent="0" lvl="0" marL="0" rtl="0" algn="l">
+              <a:spcBef>
+                <a:spcPts val="0"/>
+              </a:spcBef>
+              <a:spcAft>
+                <a:spcPts val="0"/>
+              </a:spcAft>
+              <a:buNone/>
+            </a:pPr>
+            <a:r>
+              <a:rPr lang="en" sz="2000">
+                <a:solidFill>
+                  <a:schemeClr val="dk2"/>
+                </a:solidFill>
+              </a:rPr>
+              <a:t>We figured out 4 tables was sufficient and more efficient.</a:t>
             </a:r>
             <a:endParaRPr sz="2000">
               <a:solidFill>

--- a/assets/Project#2.pptx
+++ b/assets/Project#2.pptx
@@ -1392,7 +1392,7 @@
   <p:cSld>
     <p:spTree>
       <p:nvGrpSpPr>
-        <p:cNvPr id="96" name="Shape 96"/>
+        <p:cNvPr id="97" name="Shape 97"/>
         <p:cNvGrpSpPr/>
         <p:nvPr/>
       </p:nvGrpSpPr>
@@ -1406,7 +1406,7 @@
       </p:grpSpPr>
       <p:sp>
         <p:nvSpPr>
-          <p:cNvPr id="97" name="Google Shape;97;g11866ebccae_1_56:notes"/>
+          <p:cNvPr id="98" name="Google Shape;98;g11866ebccae_1_56:notes"/>
           <p:cNvSpPr/>
           <p:nvPr>
             <p:ph idx="2" type="sldImg"/>
@@ -1441,7 +1441,7 @@
       </p:sp>
       <p:sp>
         <p:nvSpPr>
-          <p:cNvPr id="98" name="Google Shape;98;g11866ebccae_1_56:notes"/>
+          <p:cNvPr id="99" name="Google Shape;99;g11866ebccae_1_56:notes"/>
           <p:cNvSpPr txBox="1"/>
           <p:nvPr>
             <p:ph idx="1" type="body"/>
@@ -1491,7 +1491,7 @@
   <p:cSld>
     <p:spTree>
       <p:nvGrpSpPr>
-        <p:cNvPr id="102" name="Shape 102"/>
+        <p:cNvPr id="103" name="Shape 103"/>
         <p:cNvGrpSpPr/>
         <p:nvPr/>
       </p:nvGrpSpPr>
@@ -1505,7 +1505,7 @@
       </p:grpSpPr>
       <p:sp>
         <p:nvSpPr>
-          <p:cNvPr id="103" name="Google Shape;103;g11866ebccae_1_61:notes"/>
+          <p:cNvPr id="104" name="Google Shape;104;g11866ebccae_1_61:notes"/>
           <p:cNvSpPr/>
           <p:nvPr>
             <p:ph idx="2" type="sldImg"/>
@@ -1540,7 +1540,7 @@
       </p:sp>
       <p:sp>
         <p:nvSpPr>
-          <p:cNvPr id="104" name="Google Shape;104;g11866ebccae_1_61:notes"/>
+          <p:cNvPr id="105" name="Google Shape;105;g11866ebccae_1_61:notes"/>
           <p:cNvSpPr txBox="1"/>
           <p:nvPr>
             <p:ph idx="1" type="body"/>
@@ -7056,35 +7056,7 @@
                   <a:schemeClr val="dk2"/>
                 </a:solidFill>
               </a:rPr>
-              <a:t>WHEN I create a post, THEN I can select the type of skates I rented;</a:t>
-            </a:r>
-            <a:endParaRPr sz="1500">
-              <a:solidFill>
-                <a:schemeClr val="dk2"/>
-              </a:solidFill>
-            </a:endParaRPr>
-          </a:p>
-          <a:p>
-            <a:pPr indent="-323850" lvl="0" marL="457200" rtl="0" algn="l">
-              <a:spcBef>
-                <a:spcPts val="0"/>
-              </a:spcBef>
-              <a:spcAft>
-                <a:spcPts val="0"/>
-              </a:spcAft>
-              <a:buClr>
-                <a:schemeClr val="dk2"/>
-              </a:buClr>
-              <a:buSzPts val="1500"/>
-              <a:buChar char="●"/>
-            </a:pPr>
-            <a:r>
-              <a:rPr lang="en" sz="1500">
-                <a:solidFill>
-                  <a:schemeClr val="dk2"/>
-                </a:solidFill>
-              </a:rPr>
-              <a:t>WHEN I create a post, THEN I can select my level of skating proficiency.</a:t>
+              <a:t>WHEN I create a post, THEN I can select the type of skates I rented.</a:t>
             </a:r>
             <a:endParaRPr sz="1500">
               <a:solidFill>
@@ -8724,14 +8696,14 @@
               <a:buNone/>
             </a:pPr>
             <a:r>
-              <a:rPr lang="en" sz="2000">
+              <a:rPr lang="en" sz="1900">
                 <a:solidFill>
                   <a:schemeClr val="dk2"/>
                 </a:solidFill>
               </a:rPr>
               <a:t>We came together and got it done!</a:t>
             </a:r>
-            <a:endParaRPr sz="2000">
+            <a:endParaRPr sz="1900">
               <a:solidFill>
                 <a:schemeClr val="dk2"/>
               </a:solidFill>
@@ -8750,7 +8722,7 @@
             <a:r>
               <a:t/>
             </a:r>
-            <a:endParaRPr sz="2000">
+            <a:endParaRPr sz="1900">
               <a:solidFill>
                 <a:schemeClr val="dk2"/>
               </a:solidFill>
@@ -8767,14 +8739,14 @@
               <a:buNone/>
             </a:pPr>
             <a:r>
-              <a:rPr lang="en" sz="2000">
+              <a:rPr lang="en" sz="1900">
                 <a:solidFill>
                   <a:schemeClr val="dk2"/>
                 </a:solidFill>
               </a:rPr>
               <a:t>We helped each other with the re-installation of MySQL.</a:t>
             </a:r>
-            <a:endParaRPr sz="2000">
+            <a:endParaRPr sz="1900">
               <a:solidFill>
                 <a:schemeClr val="dk2"/>
               </a:solidFill>
@@ -8793,7 +8765,7 @@
             <a:r>
               <a:t/>
             </a:r>
-            <a:endParaRPr sz="2000">
+            <a:endParaRPr sz="1900">
               <a:solidFill>
                 <a:schemeClr val="dk2"/>
               </a:solidFill>
@@ -8810,14 +8782,14 @@
               <a:buNone/>
             </a:pPr>
             <a:r>
-              <a:rPr lang="en" sz="2000">
+              <a:rPr lang="en" sz="1900">
                 <a:solidFill>
                   <a:schemeClr val="dk2"/>
                 </a:solidFill>
               </a:rPr>
               <a:t>We figured out 4 tables was sufficient and more efficient.</a:t>
             </a:r>
-            <a:endParaRPr sz="2000">
+            <a:endParaRPr sz="1900">
               <a:solidFill>
                 <a:schemeClr val="dk2"/>
               </a:solidFill>
@@ -8836,7 +8808,7 @@
             <a:r>
               <a:t/>
             </a:r>
-            <a:endParaRPr sz="2000">
+            <a:endParaRPr sz="1900">
               <a:solidFill>
                 <a:schemeClr val="dk2"/>
               </a:solidFill>
@@ -8853,14 +8825,14 @@
               <a:buNone/>
             </a:pPr>
             <a:r>
-              <a:rPr lang="en" sz="2000">
+              <a:rPr lang="en" sz="1900">
                 <a:solidFill>
                   <a:schemeClr val="dk2"/>
                 </a:solidFill>
               </a:rPr>
-              <a:t>Trial and error is now our second nature :)</a:t>
-            </a:r>
-            <a:endParaRPr sz="2000">
+              <a:t>We succeeded with trial and error (and help from Gabe!)</a:t>
+            </a:r>
+            <a:endParaRPr sz="1900">
               <a:solidFill>
                 <a:schemeClr val="dk2"/>
               </a:solidFill>
@@ -9649,7 +9621,7 @@
         </p:nvSpPr>
         <p:spPr>
           <a:xfrm flipH="1">
-            <a:off x="2088925" y="1930850"/>
+            <a:off x="2088925" y="1549850"/>
             <a:ext cx="4774800" cy="940200"/>
           </a:xfrm>
           <a:prstGeom prst="roundRect">
@@ -9697,6 +9669,69 @@
           </a:p>
         </p:txBody>
       </p:sp>
+      <p:sp>
+        <p:nvSpPr>
+          <p:cNvPr id="96" name="Google Shape;96;p19"/>
+          <p:cNvSpPr/>
+          <p:nvPr/>
+        </p:nvSpPr>
+        <p:spPr>
+          <a:xfrm flipH="1">
+            <a:off x="1311750" y="3070200"/>
+            <a:ext cx="6499800" cy="940200"/>
+          </a:xfrm>
+          <a:prstGeom prst="roundRect">
+            <a:avLst>
+              <a:gd fmla="val 16667" name="adj"/>
+            </a:avLst>
+          </a:prstGeom>
+          <a:solidFill>
+            <a:srgbClr val="CFE2F3"/>
+          </a:solidFill>
+          <a:ln cap="flat" cmpd="sng" w="9525">
+            <a:solidFill>
+              <a:schemeClr val="dk2"/>
+            </a:solidFill>
+            <a:prstDash val="solid"/>
+            <a:round/>
+            <a:headEnd len="sm" w="sm" type="none"/>
+            <a:tailEnd len="sm" w="sm" type="none"/>
+          </a:ln>
+        </p:spPr>
+        <p:txBody>
+          <a:bodyPr anchorCtr="0" anchor="ctr" bIns="91425" lIns="91425" spcFirstLastPara="1" rIns="91425" wrap="square" tIns="91425">
+            <a:noAutofit/>
+          </a:bodyPr>
+          <a:lstStyle/>
+          <a:p>
+            <a:pPr indent="0" lvl="0" marL="0" rtl="0" algn="l">
+              <a:spcBef>
+                <a:spcPts val="0"/>
+              </a:spcBef>
+              <a:spcAft>
+                <a:spcPts val="0"/>
+              </a:spcAft>
+              <a:buNone/>
+            </a:pPr>
+            <a:r>
+              <a:rPr lang="en" sz="2700" u="sng">
+                <a:solidFill>
+                  <a:schemeClr val="accent5"/>
+                </a:solidFill>
+                <a:hlinkClick r:id="rId3">
+                  <a:extLst>
+                    <a:ext uri="{A12FA001-AC4F-418D-AE19-62706E023703}">
+                      <ahyp:hlinkClr val="tx"/>
+                    </a:ext>
+                  </a:extLst>
+                </a:hlinkClick>
+              </a:rPr>
+              <a:t>https://lord-of-the-rinks.herokuapp.com/</a:t>
+            </a:r>
+            <a:endParaRPr sz="1200"/>
+          </a:p>
+        </p:txBody>
+      </p:sp>
     </p:spTree>
   </p:cSld>
   <p:clrMapOvr>
@@ -9717,7 +9752,7 @@
     </p:bg>
     <p:spTree>
       <p:nvGrpSpPr>
-        <p:cNvPr id="99" name="Shape 99"/>
+        <p:cNvPr id="100" name="Shape 100"/>
         <p:cNvGrpSpPr/>
         <p:nvPr/>
       </p:nvGrpSpPr>
@@ -9731,7 +9766,7 @@
       </p:grpSpPr>
       <p:sp>
         <p:nvSpPr>
-          <p:cNvPr id="100" name="Google Shape;100;p20"/>
+          <p:cNvPr id="101" name="Google Shape;101;p20"/>
           <p:cNvSpPr/>
           <p:nvPr/>
         </p:nvSpPr>
@@ -9787,7 +9822,7 @@
       </p:sp>
       <p:sp>
         <p:nvSpPr>
-          <p:cNvPr id="101" name="Google Shape;101;p20"/>
+          <p:cNvPr id="102" name="Google Shape;102;p20"/>
           <p:cNvSpPr/>
           <p:nvPr/>
         </p:nvSpPr>
@@ -9820,7 +9855,7 @@
           </a:bodyPr>
           <a:lstStyle/>
           <a:p>
-            <a:pPr indent="-323850" lvl="0" marL="457200" rtl="0" algn="l">
+            <a:pPr indent="-342900" lvl="0" marL="457200" rtl="0" algn="l">
               <a:spcBef>
                 <a:spcPts val="0"/>
               </a:spcBef>
@@ -9830,25 +9865,41 @@
               <a:buClr>
                 <a:schemeClr val="dk2"/>
               </a:buClr>
-              <a:buSzPts val="1500"/>
+              <a:buSzPts val="1800"/>
               <a:buChar char="●"/>
             </a:pPr>
             <a:r>
-              <a:rPr lang="en" sz="1500">
+              <a:rPr lang="en" sz="1800">
                 <a:solidFill>
                   <a:schemeClr val="dk2"/>
                 </a:solidFill>
               </a:rPr>
-              <a:t>Add content analysis module to mine post data so that National Capital Commission (NCC; responsible for Canal) can improve the overall experience of skating on the Canal.</a:t>
-            </a:r>
-            <a:endParaRPr sz="1500">
+              <a:t>Enhance user experience by adding other options to select besides types of skates used, like level of </a:t>
+            </a:r>
+            <a:r>
+              <a:rPr lang="en" sz="1800">
+                <a:solidFill>
+                  <a:schemeClr val="dk2"/>
+                </a:solidFill>
+              </a:rPr>
+              <a:t>proficiency</a:t>
+            </a:r>
+            <a:r>
+              <a:rPr lang="en" sz="1800">
+                <a:solidFill>
+                  <a:schemeClr val="dk2"/>
+                </a:solidFill>
+              </a:rPr>
+              <a:t>, where you are from, etc.</a:t>
+            </a:r>
+            <a:endParaRPr sz="1800">
               <a:solidFill>
                 <a:schemeClr val="dk2"/>
               </a:solidFill>
             </a:endParaRPr>
           </a:p>
           <a:p>
-            <a:pPr indent="-323850" lvl="0" marL="457200" rtl="0" algn="l">
+            <a:pPr indent="-342900" lvl="0" marL="457200" rtl="0" algn="l">
               <a:spcBef>
                 <a:spcPts val="0"/>
               </a:spcBef>
@@ -9858,18 +9909,46 @@
               <a:buClr>
                 <a:schemeClr val="dk2"/>
               </a:buClr>
-              <a:buSzPts val="1500"/>
+              <a:buSzPts val="1800"/>
               <a:buChar char="●"/>
             </a:pPr>
             <a:r>
-              <a:rPr lang="en" sz="1500">
+              <a:rPr lang="en" sz="1800">
                 <a:solidFill>
                   <a:schemeClr val="dk2"/>
                 </a:solidFill>
               </a:rPr>
-              <a:t>Add an administrator Dashboard from where content analysis can be run and results can be reviewed.</a:t>
-            </a:r>
-            <a:endParaRPr sz="1500">
+              <a:t>Add content analysis module to mine post data so that National Capital Commission (NCC; responsible for Canal) can improve the overall experience of skating on the Canal.</a:t>
+            </a:r>
+            <a:endParaRPr sz="1800">
+              <a:solidFill>
+                <a:schemeClr val="dk2"/>
+              </a:solidFill>
+            </a:endParaRPr>
+          </a:p>
+          <a:p>
+            <a:pPr indent="-342900" lvl="0" marL="457200" rtl="0" algn="l">
+              <a:spcBef>
+                <a:spcPts val="0"/>
+              </a:spcBef>
+              <a:spcAft>
+                <a:spcPts val="0"/>
+              </a:spcAft>
+              <a:buClr>
+                <a:schemeClr val="dk2"/>
+              </a:buClr>
+              <a:buSzPts val="1800"/>
+              <a:buChar char="●"/>
+            </a:pPr>
+            <a:r>
+              <a:rPr lang="en" sz="1800">
+                <a:solidFill>
+                  <a:schemeClr val="dk2"/>
+                </a:solidFill>
+              </a:rPr>
+              <a:t>Add an administrator Dashboard from where content can be moderated, content analysis can be run, results can be reviewed and shared with the community.</a:t>
+            </a:r>
+            <a:endParaRPr sz="1800">
               <a:solidFill>
                 <a:schemeClr val="dk2"/>
               </a:solidFill>
@@ -9897,7 +9976,7 @@
     </p:bg>
     <p:spTree>
       <p:nvGrpSpPr>
-        <p:cNvPr id="105" name="Shape 105"/>
+        <p:cNvPr id="106" name="Shape 106"/>
         <p:cNvGrpSpPr/>
         <p:nvPr/>
       </p:nvGrpSpPr>
@@ -9911,7 +9990,7 @@
       </p:grpSpPr>
       <p:sp>
         <p:nvSpPr>
-          <p:cNvPr id="106" name="Google Shape;106;p21"/>
+          <p:cNvPr id="107" name="Google Shape;107;p21"/>
           <p:cNvSpPr/>
           <p:nvPr/>
         </p:nvSpPr>
@@ -9967,7 +10046,7 @@
       </p:sp>
       <p:sp>
         <p:nvSpPr>
-          <p:cNvPr id="107" name="Google Shape;107;p21"/>
+          <p:cNvPr id="108" name="Google Shape;108;p21"/>
           <p:cNvSpPr/>
           <p:nvPr/>
         </p:nvSpPr>
